--- a/MYSQL PPT/14. Join.pptx
+++ b/MYSQL PPT/14. Join.pptx
@@ -11,10 +11,6 @@
     <p:sldId id="266" r:id="rId5"/>
     <p:sldId id="267" r:id="rId6"/>
     <p:sldId id="268" r:id="rId7"/>
-    <p:sldId id="269" r:id="rId8"/>
-    <p:sldId id="270" r:id="rId9"/>
-    <p:sldId id="271" r:id="rId10"/>
-    <p:sldId id="272" r:id="rId11"/>
   </p:sldIdLst>
   <p:sldSz cx="12192000" cy="6858000"/>
   <p:notesSz cx="6858000" cy="9144000"/>
@@ -268,7 +264,7 @@
           <a:p>
             <a:fld id="{62D5EA94-9BE6-4E76-BDC6-A92BD1999B7B}" type="datetimeFigureOut">
               <a:rPr lang="ko-KR" altLang="en-US" smtClean="0"/>
-              <a:t>2025-04-28</a:t>
+              <a:t>2025-04-29</a:t>
             </a:fld>
             <a:endParaRPr lang="ko-KR" altLang="en-US"/>
           </a:p>
@@ -466,7 +462,7 @@
           <a:p>
             <a:fld id="{62D5EA94-9BE6-4E76-BDC6-A92BD1999B7B}" type="datetimeFigureOut">
               <a:rPr lang="ko-KR" altLang="en-US" smtClean="0"/>
-              <a:t>2025-04-28</a:t>
+              <a:t>2025-04-29</a:t>
             </a:fld>
             <a:endParaRPr lang="ko-KR" altLang="en-US"/>
           </a:p>
@@ -674,7 +670,7 @@
           <a:p>
             <a:fld id="{62D5EA94-9BE6-4E76-BDC6-A92BD1999B7B}" type="datetimeFigureOut">
               <a:rPr lang="ko-KR" altLang="en-US" smtClean="0"/>
-              <a:t>2025-04-28</a:t>
+              <a:t>2025-04-29</a:t>
             </a:fld>
             <a:endParaRPr lang="ko-KR" altLang="en-US"/>
           </a:p>
@@ -872,7 +868,7 @@
           <a:p>
             <a:fld id="{62D5EA94-9BE6-4E76-BDC6-A92BD1999B7B}" type="datetimeFigureOut">
               <a:rPr lang="ko-KR" altLang="en-US" smtClean="0"/>
-              <a:t>2025-04-28</a:t>
+              <a:t>2025-04-29</a:t>
             </a:fld>
             <a:endParaRPr lang="ko-KR" altLang="en-US"/>
           </a:p>
@@ -1147,7 +1143,7 @@
           <a:p>
             <a:fld id="{62D5EA94-9BE6-4E76-BDC6-A92BD1999B7B}" type="datetimeFigureOut">
               <a:rPr lang="ko-KR" altLang="en-US" smtClean="0"/>
-              <a:t>2025-04-28</a:t>
+              <a:t>2025-04-29</a:t>
             </a:fld>
             <a:endParaRPr lang="ko-KR" altLang="en-US"/>
           </a:p>
@@ -1412,7 +1408,7 @@
           <a:p>
             <a:fld id="{62D5EA94-9BE6-4E76-BDC6-A92BD1999B7B}" type="datetimeFigureOut">
               <a:rPr lang="ko-KR" altLang="en-US" smtClean="0"/>
-              <a:t>2025-04-28</a:t>
+              <a:t>2025-04-29</a:t>
             </a:fld>
             <a:endParaRPr lang="ko-KR" altLang="en-US"/>
           </a:p>
@@ -1824,7 +1820,7 @@
           <a:p>
             <a:fld id="{62D5EA94-9BE6-4E76-BDC6-A92BD1999B7B}" type="datetimeFigureOut">
               <a:rPr lang="ko-KR" altLang="en-US" smtClean="0"/>
-              <a:t>2025-04-28</a:t>
+              <a:t>2025-04-29</a:t>
             </a:fld>
             <a:endParaRPr lang="ko-KR" altLang="en-US"/>
           </a:p>
@@ -1965,7 +1961,7 @@
           <a:p>
             <a:fld id="{62D5EA94-9BE6-4E76-BDC6-A92BD1999B7B}" type="datetimeFigureOut">
               <a:rPr lang="ko-KR" altLang="en-US" smtClean="0"/>
-              <a:t>2025-04-28</a:t>
+              <a:t>2025-04-29</a:t>
             </a:fld>
             <a:endParaRPr lang="ko-KR" altLang="en-US"/>
           </a:p>
@@ -2078,7 +2074,7 @@
           <a:p>
             <a:fld id="{62D5EA94-9BE6-4E76-BDC6-A92BD1999B7B}" type="datetimeFigureOut">
               <a:rPr lang="ko-KR" altLang="en-US" smtClean="0"/>
-              <a:t>2025-04-28</a:t>
+              <a:t>2025-04-29</a:t>
             </a:fld>
             <a:endParaRPr lang="ko-KR" altLang="en-US"/>
           </a:p>
@@ -2389,7 +2385,7 @@
           <a:p>
             <a:fld id="{62D5EA94-9BE6-4E76-BDC6-A92BD1999B7B}" type="datetimeFigureOut">
               <a:rPr lang="ko-KR" altLang="en-US" smtClean="0"/>
-              <a:t>2025-04-28</a:t>
+              <a:t>2025-04-29</a:t>
             </a:fld>
             <a:endParaRPr lang="ko-KR" altLang="en-US"/>
           </a:p>
@@ -2677,7 +2673,7 @@
           <a:p>
             <a:fld id="{62D5EA94-9BE6-4E76-BDC6-A92BD1999B7B}" type="datetimeFigureOut">
               <a:rPr lang="ko-KR" altLang="en-US" smtClean="0"/>
-              <a:t>2025-04-28</a:t>
+              <a:t>2025-04-29</a:t>
             </a:fld>
             <a:endParaRPr lang="ko-KR" altLang="en-US"/>
           </a:p>
@@ -2918,7 +2914,7 @@
           <a:p>
             <a:fld id="{62D5EA94-9BE6-4E76-BDC6-A92BD1999B7B}" type="datetimeFigureOut">
               <a:rPr lang="ko-KR" altLang="en-US" smtClean="0"/>
-              <a:t>2025-04-28</a:t>
+              <a:t>2025-04-29</a:t>
             </a:fld>
             <a:endParaRPr lang="ko-KR" altLang="en-US"/>
           </a:p>
@@ -3341,46 +3337,40 @@
           <a:chExt cx="0" cy="0"/>
         </a:xfrm>
       </p:grpSpPr>
+      <p:pic>
+        <p:nvPicPr>
+          <p:cNvPr id="5" name="그림 4">
+            <a:extLst>
+              <a:ext uri="{FF2B5EF4-FFF2-40B4-BE49-F238E27FC236}">
+                <a16:creationId xmlns:a16="http://schemas.microsoft.com/office/drawing/2014/main" id="{F894B623-E9EC-BE02-F771-474A6AE9C0BA}"/>
+              </a:ext>
+            </a:extLst>
+          </p:cNvPr>
+          <p:cNvPicPr>
+            <a:picLocks noChangeAspect="1"/>
+          </p:cNvPicPr>
+          <p:nvPr/>
+        </p:nvPicPr>
+        <p:blipFill>
+          <a:blip r:embed="rId2"/>
+          <a:stretch>
+            <a:fillRect/>
+          </a:stretch>
+        </p:blipFill>
+        <p:spPr>
+          <a:xfrm>
+            <a:off x="2605683" y="0"/>
+            <a:ext cx="6980633" cy="6858000"/>
+          </a:xfrm>
+          <a:prstGeom prst="rect">
+            <a:avLst/>
+          </a:prstGeom>
+        </p:spPr>
+      </p:pic>
     </p:spTree>
     <p:extLst>
       <p:ext uri="{BB962C8B-B14F-4D97-AF65-F5344CB8AC3E}">
         <p14:creationId xmlns:p14="http://schemas.microsoft.com/office/powerpoint/2010/main" val="2097808463"/>
-      </p:ext>
-    </p:extLst>
-  </p:cSld>
-  <p:clrMapOvr>
-    <a:masterClrMapping/>
-  </p:clrMapOvr>
-</p:sld>
-</file>
-
-<file path=ppt/slides/slide10.xml><?xml version="1.0" encoding="utf-8"?>
-<p:sld xmlns:a="http://schemas.openxmlformats.org/drawingml/2006/main" xmlns:r="http://schemas.openxmlformats.org/officeDocument/2006/relationships" xmlns:p="http://schemas.openxmlformats.org/presentationml/2006/main">
-  <p:cSld>
-    <p:spTree>
-      <p:nvGrpSpPr>
-        <p:cNvPr id="1" name="">
-          <a:extLst>
-            <a:ext uri="{FF2B5EF4-FFF2-40B4-BE49-F238E27FC236}">
-              <a16:creationId xmlns:a16="http://schemas.microsoft.com/office/drawing/2014/main" id="{8EAB2436-D92D-95A0-A30E-89094792D935}"/>
-            </a:ext>
-          </a:extLst>
-        </p:cNvPr>
-        <p:cNvGrpSpPr/>
-        <p:nvPr/>
-      </p:nvGrpSpPr>
-      <p:grpSpPr>
-        <a:xfrm>
-          <a:off x="0" y="0"/>
-          <a:ext cx="0" cy="0"/>
-          <a:chOff x="0" y="0"/>
-          <a:chExt cx="0" cy="0"/>
-        </a:xfrm>
-      </p:grpSpPr>
-    </p:spTree>
-    <p:extLst>
-      <p:ext uri="{BB962C8B-B14F-4D97-AF65-F5344CB8AC3E}">
-        <p14:creationId xmlns:p14="http://schemas.microsoft.com/office/powerpoint/2010/main" val="986821805"/>
       </p:ext>
     </p:extLst>
   </p:cSld>
@@ -3413,6 +3403,36 @@
           <a:chExt cx="0" cy="0"/>
         </a:xfrm>
       </p:grpSpPr>
+      <p:pic>
+        <p:nvPicPr>
+          <p:cNvPr id="3" name="그림 2">
+            <a:extLst>
+              <a:ext uri="{FF2B5EF4-FFF2-40B4-BE49-F238E27FC236}">
+                <a16:creationId xmlns:a16="http://schemas.microsoft.com/office/drawing/2014/main" id="{867CC89F-3D29-5B22-4E2C-2069A5D20668}"/>
+              </a:ext>
+            </a:extLst>
+          </p:cNvPr>
+          <p:cNvPicPr>
+            <a:picLocks noChangeAspect="1"/>
+          </p:cNvPicPr>
+          <p:nvPr/>
+        </p:nvPicPr>
+        <p:blipFill>
+          <a:blip r:embed="rId2"/>
+          <a:stretch>
+            <a:fillRect/>
+          </a:stretch>
+        </p:blipFill>
+        <p:spPr>
+          <a:xfrm>
+            <a:off x="2533650" y="95250"/>
+            <a:ext cx="7124700" cy="6667500"/>
+          </a:xfrm>
+          <a:prstGeom prst="rect">
+            <a:avLst/>
+          </a:prstGeom>
+        </p:spPr>
+      </p:pic>
     </p:spTree>
     <p:extLst>
       <p:ext uri="{BB962C8B-B14F-4D97-AF65-F5344CB8AC3E}">
@@ -3449,6 +3469,36 @@
           <a:chExt cx="0" cy="0"/>
         </a:xfrm>
       </p:grpSpPr>
+      <p:pic>
+        <p:nvPicPr>
+          <p:cNvPr id="3" name="그림 2">
+            <a:extLst>
+              <a:ext uri="{FF2B5EF4-FFF2-40B4-BE49-F238E27FC236}">
+                <a16:creationId xmlns:a16="http://schemas.microsoft.com/office/drawing/2014/main" id="{5C85D784-F8B1-DAFA-2428-D447DD520B79}"/>
+              </a:ext>
+            </a:extLst>
+          </p:cNvPr>
+          <p:cNvPicPr>
+            <a:picLocks noChangeAspect="1"/>
+          </p:cNvPicPr>
+          <p:nvPr/>
+        </p:nvPicPr>
+        <p:blipFill>
+          <a:blip r:embed="rId2"/>
+          <a:stretch>
+            <a:fillRect/>
+          </a:stretch>
+        </p:blipFill>
+        <p:spPr>
+          <a:xfrm>
+            <a:off x="2962275" y="42862"/>
+            <a:ext cx="6267450" cy="6772275"/>
+          </a:xfrm>
+          <a:prstGeom prst="rect">
+            <a:avLst/>
+          </a:prstGeom>
+        </p:spPr>
+      </p:pic>
     </p:spTree>
     <p:extLst>
       <p:ext uri="{BB962C8B-B14F-4D97-AF65-F5344CB8AC3E}">
@@ -3485,6 +3535,36 @@
           <a:chExt cx="0" cy="0"/>
         </a:xfrm>
       </p:grpSpPr>
+      <p:pic>
+        <p:nvPicPr>
+          <p:cNvPr id="3" name="그림 2">
+            <a:extLst>
+              <a:ext uri="{FF2B5EF4-FFF2-40B4-BE49-F238E27FC236}">
+                <a16:creationId xmlns:a16="http://schemas.microsoft.com/office/drawing/2014/main" id="{96295E15-9745-8D00-2570-72FE1770D34F}"/>
+              </a:ext>
+            </a:extLst>
+          </p:cNvPr>
+          <p:cNvPicPr>
+            <a:picLocks noChangeAspect="1"/>
+          </p:cNvPicPr>
+          <p:nvPr/>
+        </p:nvPicPr>
+        <p:blipFill>
+          <a:blip r:embed="rId2"/>
+          <a:stretch>
+            <a:fillRect/>
+          </a:stretch>
+        </p:blipFill>
+        <p:spPr>
+          <a:xfrm>
+            <a:off x="3205144" y="0"/>
+            <a:ext cx="5781712" cy="6858000"/>
+          </a:xfrm>
+          <a:prstGeom prst="rect">
+            <a:avLst/>
+          </a:prstGeom>
+        </p:spPr>
+      </p:pic>
     </p:spTree>
     <p:extLst>
       <p:ext uri="{BB962C8B-B14F-4D97-AF65-F5344CB8AC3E}">
@@ -3521,6 +3601,36 @@
           <a:chExt cx="0" cy="0"/>
         </a:xfrm>
       </p:grpSpPr>
+      <p:pic>
+        <p:nvPicPr>
+          <p:cNvPr id="3" name="그림 2">
+            <a:extLst>
+              <a:ext uri="{FF2B5EF4-FFF2-40B4-BE49-F238E27FC236}">
+                <a16:creationId xmlns:a16="http://schemas.microsoft.com/office/drawing/2014/main" id="{D40E5836-2DE1-FB53-C808-C04903DFF711}"/>
+              </a:ext>
+            </a:extLst>
+          </p:cNvPr>
+          <p:cNvPicPr>
+            <a:picLocks noChangeAspect="1"/>
+          </p:cNvPicPr>
+          <p:nvPr/>
+        </p:nvPicPr>
+        <p:blipFill>
+          <a:blip r:embed="rId2"/>
+          <a:stretch>
+            <a:fillRect/>
+          </a:stretch>
+        </p:blipFill>
+        <p:spPr>
+          <a:xfrm>
+            <a:off x="3000375" y="61912"/>
+            <a:ext cx="6191250" cy="6734175"/>
+          </a:xfrm>
+          <a:prstGeom prst="rect">
+            <a:avLst/>
+          </a:prstGeom>
+        </p:spPr>
+      </p:pic>
     </p:spTree>
     <p:extLst>
       <p:ext uri="{BB962C8B-B14F-4D97-AF65-F5344CB8AC3E}">
@@ -3557,118 +3667,40 @@
           <a:chExt cx="0" cy="0"/>
         </a:xfrm>
       </p:grpSpPr>
+      <p:pic>
+        <p:nvPicPr>
+          <p:cNvPr id="3" name="그림 2">
+            <a:extLst>
+              <a:ext uri="{FF2B5EF4-FFF2-40B4-BE49-F238E27FC236}">
+                <a16:creationId xmlns:a16="http://schemas.microsoft.com/office/drawing/2014/main" id="{5DE19817-1636-6C40-0AF2-5CA721FD44DB}"/>
+              </a:ext>
+            </a:extLst>
+          </p:cNvPr>
+          <p:cNvPicPr>
+            <a:picLocks noChangeAspect="1"/>
+          </p:cNvPicPr>
+          <p:nvPr/>
+        </p:nvPicPr>
+        <p:blipFill>
+          <a:blip r:embed="rId2"/>
+          <a:stretch>
+            <a:fillRect/>
+          </a:stretch>
+        </p:blipFill>
+        <p:spPr>
+          <a:xfrm>
+            <a:off x="2633662" y="2043112"/>
+            <a:ext cx="6924675" cy="2771775"/>
+          </a:xfrm>
+          <a:prstGeom prst="rect">
+            <a:avLst/>
+          </a:prstGeom>
+        </p:spPr>
+      </p:pic>
     </p:spTree>
     <p:extLst>
       <p:ext uri="{BB962C8B-B14F-4D97-AF65-F5344CB8AC3E}">
         <p14:creationId xmlns:p14="http://schemas.microsoft.com/office/powerpoint/2010/main" val="2351728693"/>
-      </p:ext>
-    </p:extLst>
-  </p:cSld>
-  <p:clrMapOvr>
-    <a:masterClrMapping/>
-  </p:clrMapOvr>
-</p:sld>
-</file>
-
-<file path=ppt/slides/slide7.xml><?xml version="1.0" encoding="utf-8"?>
-<p:sld xmlns:a="http://schemas.openxmlformats.org/drawingml/2006/main" xmlns:r="http://schemas.openxmlformats.org/officeDocument/2006/relationships" xmlns:p="http://schemas.openxmlformats.org/presentationml/2006/main">
-  <p:cSld>
-    <p:spTree>
-      <p:nvGrpSpPr>
-        <p:cNvPr id="1" name="">
-          <a:extLst>
-            <a:ext uri="{FF2B5EF4-FFF2-40B4-BE49-F238E27FC236}">
-              <a16:creationId xmlns:a16="http://schemas.microsoft.com/office/drawing/2014/main" id="{9364E90E-37D8-7D72-D0A6-17C8E2FCFD43}"/>
-            </a:ext>
-          </a:extLst>
-        </p:cNvPr>
-        <p:cNvGrpSpPr/>
-        <p:nvPr/>
-      </p:nvGrpSpPr>
-      <p:grpSpPr>
-        <a:xfrm>
-          <a:off x="0" y="0"/>
-          <a:ext cx="0" cy="0"/>
-          <a:chOff x="0" y="0"/>
-          <a:chExt cx="0" cy="0"/>
-        </a:xfrm>
-      </p:grpSpPr>
-    </p:spTree>
-    <p:extLst>
-      <p:ext uri="{BB962C8B-B14F-4D97-AF65-F5344CB8AC3E}">
-        <p14:creationId xmlns:p14="http://schemas.microsoft.com/office/powerpoint/2010/main" val="4045017533"/>
-      </p:ext>
-    </p:extLst>
-  </p:cSld>
-  <p:clrMapOvr>
-    <a:masterClrMapping/>
-  </p:clrMapOvr>
-</p:sld>
-</file>
-
-<file path=ppt/slides/slide8.xml><?xml version="1.0" encoding="utf-8"?>
-<p:sld xmlns:a="http://schemas.openxmlformats.org/drawingml/2006/main" xmlns:r="http://schemas.openxmlformats.org/officeDocument/2006/relationships" xmlns:p="http://schemas.openxmlformats.org/presentationml/2006/main">
-  <p:cSld>
-    <p:spTree>
-      <p:nvGrpSpPr>
-        <p:cNvPr id="1" name="">
-          <a:extLst>
-            <a:ext uri="{FF2B5EF4-FFF2-40B4-BE49-F238E27FC236}">
-              <a16:creationId xmlns:a16="http://schemas.microsoft.com/office/drawing/2014/main" id="{C2D0C50F-04C7-B398-194C-EF8ED67C8783}"/>
-            </a:ext>
-          </a:extLst>
-        </p:cNvPr>
-        <p:cNvGrpSpPr/>
-        <p:nvPr/>
-      </p:nvGrpSpPr>
-      <p:grpSpPr>
-        <a:xfrm>
-          <a:off x="0" y="0"/>
-          <a:ext cx="0" cy="0"/>
-          <a:chOff x="0" y="0"/>
-          <a:chExt cx="0" cy="0"/>
-        </a:xfrm>
-      </p:grpSpPr>
-    </p:spTree>
-    <p:extLst>
-      <p:ext uri="{BB962C8B-B14F-4D97-AF65-F5344CB8AC3E}">
-        <p14:creationId xmlns:p14="http://schemas.microsoft.com/office/powerpoint/2010/main" val="684061742"/>
-      </p:ext>
-    </p:extLst>
-  </p:cSld>
-  <p:clrMapOvr>
-    <a:masterClrMapping/>
-  </p:clrMapOvr>
-</p:sld>
-</file>
-
-<file path=ppt/slides/slide9.xml><?xml version="1.0" encoding="utf-8"?>
-<p:sld xmlns:a="http://schemas.openxmlformats.org/drawingml/2006/main" xmlns:r="http://schemas.openxmlformats.org/officeDocument/2006/relationships" xmlns:p="http://schemas.openxmlformats.org/presentationml/2006/main">
-  <p:cSld>
-    <p:spTree>
-      <p:nvGrpSpPr>
-        <p:cNvPr id="1" name="">
-          <a:extLst>
-            <a:ext uri="{FF2B5EF4-FFF2-40B4-BE49-F238E27FC236}">
-              <a16:creationId xmlns:a16="http://schemas.microsoft.com/office/drawing/2014/main" id="{46518BD9-4DDB-B3AA-86FC-9B9B1F82ADEB}"/>
-            </a:ext>
-          </a:extLst>
-        </p:cNvPr>
-        <p:cNvGrpSpPr/>
-        <p:nvPr/>
-      </p:nvGrpSpPr>
-      <p:grpSpPr>
-        <a:xfrm>
-          <a:off x="0" y="0"/>
-          <a:ext cx="0" cy="0"/>
-          <a:chOff x="0" y="0"/>
-          <a:chExt cx="0" cy="0"/>
-        </a:xfrm>
-      </p:grpSpPr>
-    </p:spTree>
-    <p:extLst>
-      <p:ext uri="{BB962C8B-B14F-4D97-AF65-F5344CB8AC3E}">
-        <p14:creationId xmlns:p14="http://schemas.microsoft.com/office/powerpoint/2010/main" val="1058920747"/>
       </p:ext>
     </p:extLst>
   </p:cSld>
